--- a/dates/Apresentação1.pptx
+++ b/dates/Apresentação1.pptx
@@ -259,7 +259,7 @@
           <a:p>
             <a:fld id="{07883951-241B-40C7-9571-66BFCDF0AFDC}" type="datetimeFigureOut">
               <a:rPr lang="pt-BR" smtClean="0"/>
-              <a:t>27/09/2019</a:t>
+              <a:t>04/06/2021</a:t>
             </a:fld>
             <a:endParaRPr lang="pt-BR"/>
           </a:p>
@@ -457,7 +457,7 @@
           <a:p>
             <a:fld id="{07883951-241B-40C7-9571-66BFCDF0AFDC}" type="datetimeFigureOut">
               <a:rPr lang="pt-BR" smtClean="0"/>
-              <a:t>27/09/2019</a:t>
+              <a:t>04/06/2021</a:t>
             </a:fld>
             <a:endParaRPr lang="pt-BR"/>
           </a:p>
@@ -665,7 +665,7 @@
           <a:p>
             <a:fld id="{07883951-241B-40C7-9571-66BFCDF0AFDC}" type="datetimeFigureOut">
               <a:rPr lang="pt-BR" smtClean="0"/>
-              <a:t>27/09/2019</a:t>
+              <a:t>04/06/2021</a:t>
             </a:fld>
             <a:endParaRPr lang="pt-BR"/>
           </a:p>
@@ -863,7 +863,7 @@
           <a:p>
             <a:fld id="{07883951-241B-40C7-9571-66BFCDF0AFDC}" type="datetimeFigureOut">
               <a:rPr lang="pt-BR" smtClean="0"/>
-              <a:t>27/09/2019</a:t>
+              <a:t>04/06/2021</a:t>
             </a:fld>
             <a:endParaRPr lang="pt-BR"/>
           </a:p>
@@ -1138,7 +1138,7 @@
           <a:p>
             <a:fld id="{07883951-241B-40C7-9571-66BFCDF0AFDC}" type="datetimeFigureOut">
               <a:rPr lang="pt-BR" smtClean="0"/>
-              <a:t>27/09/2019</a:t>
+              <a:t>04/06/2021</a:t>
             </a:fld>
             <a:endParaRPr lang="pt-BR"/>
           </a:p>
@@ -1403,7 +1403,7 @@
           <a:p>
             <a:fld id="{07883951-241B-40C7-9571-66BFCDF0AFDC}" type="datetimeFigureOut">
               <a:rPr lang="pt-BR" smtClean="0"/>
-              <a:t>27/09/2019</a:t>
+              <a:t>04/06/2021</a:t>
             </a:fld>
             <a:endParaRPr lang="pt-BR"/>
           </a:p>
@@ -1815,7 +1815,7 @@
           <a:p>
             <a:fld id="{07883951-241B-40C7-9571-66BFCDF0AFDC}" type="datetimeFigureOut">
               <a:rPr lang="pt-BR" smtClean="0"/>
-              <a:t>27/09/2019</a:t>
+              <a:t>04/06/2021</a:t>
             </a:fld>
             <a:endParaRPr lang="pt-BR"/>
           </a:p>
@@ -1956,7 +1956,7 @@
           <a:p>
             <a:fld id="{07883951-241B-40C7-9571-66BFCDF0AFDC}" type="datetimeFigureOut">
               <a:rPr lang="pt-BR" smtClean="0"/>
-              <a:t>27/09/2019</a:t>
+              <a:t>04/06/2021</a:t>
             </a:fld>
             <a:endParaRPr lang="pt-BR"/>
           </a:p>
@@ -2069,7 +2069,7 @@
           <a:p>
             <a:fld id="{07883951-241B-40C7-9571-66BFCDF0AFDC}" type="datetimeFigureOut">
               <a:rPr lang="pt-BR" smtClean="0"/>
-              <a:t>27/09/2019</a:t>
+              <a:t>04/06/2021</a:t>
             </a:fld>
             <a:endParaRPr lang="pt-BR"/>
           </a:p>
@@ -2380,7 +2380,7 @@
           <a:p>
             <a:fld id="{07883951-241B-40C7-9571-66BFCDF0AFDC}" type="datetimeFigureOut">
               <a:rPr lang="pt-BR" smtClean="0"/>
-              <a:t>27/09/2019</a:t>
+              <a:t>04/06/2021</a:t>
             </a:fld>
             <a:endParaRPr lang="pt-BR"/>
           </a:p>
@@ -2668,7 +2668,7 @@
           <a:p>
             <a:fld id="{07883951-241B-40C7-9571-66BFCDF0AFDC}" type="datetimeFigureOut">
               <a:rPr lang="pt-BR" smtClean="0"/>
-              <a:t>27/09/2019</a:t>
+              <a:t>04/06/2021</a:t>
             </a:fld>
             <a:endParaRPr lang="pt-BR"/>
           </a:p>
@@ -2909,7 +2909,7 @@
           <a:p>
             <a:fld id="{07883951-241B-40C7-9571-66BFCDF0AFDC}" type="datetimeFigureOut">
               <a:rPr lang="pt-BR" smtClean="0"/>
-              <a:t>27/09/2019</a:t>
+              <a:t>04/06/2021</a:t>
             </a:fld>
             <a:endParaRPr lang="pt-BR"/>
           </a:p>
@@ -5691,6 +5691,108 @@
           </a:prstGeom>
         </p:spPr>
       </p:pic>
+      <p:sp>
+        <p:nvSpPr>
+          <p:cNvPr id="59" name="Retângulo: Cantos Arredondados 58">
+            <a:extLst>
+              <a:ext uri="{FF2B5EF4-FFF2-40B4-BE49-F238E27FC236}">
+                <a16:creationId xmlns:a16="http://schemas.microsoft.com/office/drawing/2014/main" id="{9F4CA995-C455-46DF-B508-9DC1B04FBB1F}"/>
+              </a:ext>
+            </a:extLst>
+          </p:cNvPr>
+          <p:cNvSpPr/>
+          <p:nvPr/>
+        </p:nvSpPr>
+        <p:spPr>
+          <a:xfrm>
+            <a:off x="23367858" y="-3446519"/>
+            <a:ext cx="3303323" cy="3406728"/>
+          </a:xfrm>
+          <a:prstGeom prst="roundRect">
+            <a:avLst/>
+          </a:prstGeom>
+          <a:solidFill>
+            <a:srgbClr val="323639"/>
+          </a:solidFill>
+          <a:ln>
+            <a:solidFill>
+              <a:srgbClr val="323639"/>
+            </a:solidFill>
+          </a:ln>
+        </p:spPr>
+        <p:style>
+          <a:lnRef idx="2">
+            <a:schemeClr val="accent1">
+              <a:shade val="50000"/>
+            </a:schemeClr>
+          </a:lnRef>
+          <a:fillRef idx="1">
+            <a:schemeClr val="accent1"/>
+          </a:fillRef>
+          <a:effectRef idx="0">
+            <a:schemeClr val="accent1"/>
+          </a:effectRef>
+          <a:fontRef idx="minor">
+            <a:schemeClr val="lt1"/>
+          </a:fontRef>
+        </p:style>
+        <p:txBody>
+          <a:bodyPr rtlCol="0" anchor="ctr"/>
+          <a:lstStyle/>
+          <a:p>
+            <a:pPr algn="ctr"/>
+            <a:endParaRPr lang="pt-BR"/>
+          </a:p>
+        </p:txBody>
+      </p:sp>
+      <p:pic>
+        <p:nvPicPr>
+          <p:cNvPr id="61" name="Imagem 60">
+            <a:extLst>
+              <a:ext uri="{FF2B5EF4-FFF2-40B4-BE49-F238E27FC236}">
+                <a16:creationId xmlns:a16="http://schemas.microsoft.com/office/drawing/2014/main" id="{5DA3730C-556E-434A-9E4D-589B5F157375}"/>
+              </a:ext>
+            </a:extLst>
+          </p:cNvPr>
+          <p:cNvPicPr>
+            <a:picLocks noChangeAspect="1"/>
+          </p:cNvPicPr>
+          <p:nvPr/>
+        </p:nvPicPr>
+        <p:blipFill rotWithShape="1">
+          <a:blip r:embed="rId13">
+            <a:extLst>
+              <a:ext uri="{28A0092B-C50C-407E-A947-70E740481C1C}">
+                <a14:useLocalDpi xmlns:a14="http://schemas.microsoft.com/office/drawing/2010/main" val="0"/>
+              </a:ext>
+            </a:extLst>
+          </a:blip>
+          <a:srcRect l="15587" t="32509" r="16539" b="37110"/>
+          <a:stretch/>
+        </p:blipFill>
+        <p:spPr>
+          <a:xfrm>
+            <a:off x="23839648" y="-2190760"/>
+            <a:ext cx="2359742" cy="771609"/>
+          </a:xfrm>
+          <a:prstGeom prst="roundRect">
+            <a:avLst>
+              <a:gd name="adj" fmla="val 8594"/>
+            </a:avLst>
+          </a:prstGeom>
+          <a:solidFill>
+            <a:srgbClr val="FFFFFF">
+              <a:shade val="85000"/>
+            </a:srgbClr>
+          </a:solidFill>
+          <a:ln>
+            <a:noFill/>
+          </a:ln>
+          <a:effectLst>
+            <a:reflection blurRad="12700" stA="38000" endPos="28000" dist="5000" dir="5400000" sy="-100000" algn="bl" rotWithShape="0"/>
+          </a:effectLst>
+        </p:spPr>
+      </p:pic>
     </p:spTree>
     <p:extLst>
       <p:ext uri="{BB962C8B-B14F-4D97-AF65-F5344CB8AC3E}">

--- a/dates/Apresentação1.pptx
+++ b/dates/Apresentação1.pptx
@@ -5793,6 +5793,144 @@
           </a:effectLst>
         </p:spPr>
       </p:pic>
+      <p:pic>
+        <p:nvPicPr>
+          <p:cNvPr id="20" name="Imagem 19" descr="Logotipo&#10;&#10;Descrição gerada automaticamente">
+            <a:extLst>
+              <a:ext uri="{FF2B5EF4-FFF2-40B4-BE49-F238E27FC236}">
+                <a16:creationId xmlns:a16="http://schemas.microsoft.com/office/drawing/2014/main" id="{AA89C563-C846-4084-81E5-60348B9EBB10}"/>
+              </a:ext>
+            </a:extLst>
+          </p:cNvPr>
+          <p:cNvPicPr>
+            <a:picLocks noChangeAspect="1"/>
+          </p:cNvPicPr>
+          <p:nvPr/>
+        </p:nvPicPr>
+        <p:blipFill>
+          <a:blip r:embed="rId28">
+            <a:extLst>
+              <a:ext uri="{28A0092B-C50C-407E-A947-70E740481C1C}">
+                <a14:useLocalDpi xmlns:a14="http://schemas.microsoft.com/office/drawing/2010/main" val="0"/>
+              </a:ext>
+            </a:extLst>
+          </a:blip>
+          <a:stretch>
+            <a:fillRect/>
+          </a:stretch>
+        </p:blipFill>
+        <p:spPr>
+          <a:xfrm>
+            <a:off x="18393600" y="10012910"/>
+            <a:ext cx="12192000" cy="4119563"/>
+          </a:xfrm>
+          <a:prstGeom prst="rect">
+            <a:avLst/>
+          </a:prstGeom>
+        </p:spPr>
+      </p:pic>
+      <p:sp>
+        <p:nvSpPr>
+          <p:cNvPr id="63" name="Retângulo: Cantos Arredondados 62">
+            <a:extLst>
+              <a:ext uri="{FF2B5EF4-FFF2-40B4-BE49-F238E27FC236}">
+                <a16:creationId xmlns:a16="http://schemas.microsoft.com/office/drawing/2014/main" id="{B8412B0B-D949-4C31-A410-912E924372E3}"/>
+              </a:ext>
+            </a:extLst>
+          </p:cNvPr>
+          <p:cNvSpPr/>
+          <p:nvPr/>
+        </p:nvSpPr>
+        <p:spPr>
+          <a:xfrm>
+            <a:off x="23371308" y="549054"/>
+            <a:ext cx="3303323" cy="3406728"/>
+          </a:xfrm>
+          <a:prstGeom prst="roundRect">
+            <a:avLst/>
+          </a:prstGeom>
+          <a:solidFill>
+            <a:srgbClr val="323639"/>
+          </a:solidFill>
+          <a:ln>
+            <a:solidFill>
+              <a:srgbClr val="323639"/>
+            </a:solidFill>
+          </a:ln>
+        </p:spPr>
+        <p:style>
+          <a:lnRef idx="2">
+            <a:schemeClr val="accent1">
+              <a:shade val="50000"/>
+            </a:schemeClr>
+          </a:lnRef>
+          <a:fillRef idx="1">
+            <a:schemeClr val="accent1"/>
+          </a:fillRef>
+          <a:effectRef idx="0">
+            <a:schemeClr val="accent1"/>
+          </a:effectRef>
+          <a:fontRef idx="minor">
+            <a:schemeClr val="lt1"/>
+          </a:fontRef>
+        </p:style>
+        <p:txBody>
+          <a:bodyPr rtlCol="0" anchor="ctr"/>
+          <a:lstStyle/>
+          <a:p>
+            <a:pPr algn="ctr"/>
+            <a:endParaRPr lang="pt-BR"/>
+          </a:p>
+        </p:txBody>
+      </p:sp>
+      <p:pic>
+        <p:nvPicPr>
+          <p:cNvPr id="67" name="Imagem 66" descr="Logotipo&#10;&#10;Descrição gerada automaticamente">
+            <a:extLst>
+              <a:ext uri="{FF2B5EF4-FFF2-40B4-BE49-F238E27FC236}">
+                <a16:creationId xmlns:a16="http://schemas.microsoft.com/office/drawing/2014/main" id="{9E7109D7-AF8B-4710-88F4-3D60D7D3D468}"/>
+              </a:ext>
+            </a:extLst>
+          </p:cNvPr>
+          <p:cNvPicPr>
+            <a:picLocks noChangeAspect="1"/>
+          </p:cNvPicPr>
+          <p:nvPr/>
+        </p:nvPicPr>
+        <p:blipFill rotWithShape="1">
+          <a:blip r:embed="rId28">
+            <a:extLst>
+              <a:ext uri="{28A0092B-C50C-407E-A947-70E740481C1C}">
+                <a14:useLocalDpi xmlns:a14="http://schemas.microsoft.com/office/drawing/2010/main" val="0"/>
+              </a:ext>
+            </a:extLst>
+          </a:blip>
+          <a:srcRect l="6257" t="15976" r="69179" b="13574"/>
+          <a:stretch/>
+        </p:blipFill>
+        <p:spPr>
+          <a:xfrm>
+            <a:off x="24188094" y="1377319"/>
+            <a:ext cx="1662850" cy="1611453"/>
+          </a:xfrm>
+          <a:prstGeom prst="roundRect">
+            <a:avLst>
+              <a:gd name="adj" fmla="val 8594"/>
+            </a:avLst>
+          </a:prstGeom>
+          <a:solidFill>
+            <a:srgbClr val="FFFFFF">
+              <a:shade val="85000"/>
+            </a:srgbClr>
+          </a:solidFill>
+          <a:ln>
+            <a:noFill/>
+          </a:ln>
+          <a:effectLst>
+            <a:reflection blurRad="12700" stA="38000" endPos="28000" dist="5000" dir="5400000" sy="-100000" algn="bl" rotWithShape="0"/>
+          </a:effectLst>
+        </p:spPr>
+      </p:pic>
     </p:spTree>
     <p:extLst>
       <p:ext uri="{BB962C8B-B14F-4D97-AF65-F5344CB8AC3E}">
